--- a/format-encodings/documents/ARCHIVE/base10-mathematical-review.pptx
+++ b/format-encodings/documents/ARCHIVE/base10-mathematical-review.pptx
@@ -20,6 +20,12 @@
   </p:sldIdLst>
   <p:sldSz cx="9144000" cy="5143500" type="screen16x9"/>
   <p:notesSz cx="6858000" cy="9144000"/>
+  <p:embeddedFontLst>
+    <p:embeddedFont>
+      <p:font typeface="Cambria Math" panose="02040503050406030204" pitchFamily="18" charset="0"/>
+      <p:regular r:id="rId12"/>
+    </p:embeddedFont>
+  </p:embeddedFontLst>
   <p:defaultTextStyle>
     <a:defPPr marR="0" lvl="0" algn="l" rtl="0">
       <a:lnSpc>
@@ -1050,7 +1056,7 @@
         </p:nvSpPr>
         <p:spPr>
           <a:xfrm>
-            <a:off x="381300" y="685800"/>
+            <a:off x="381000" y="685800"/>
             <a:ext cx="6096000" cy="3429000"/>
           </a:xfrm>
           <a:custGeom>
@@ -1154,7 +1160,7 @@
         </p:nvSpPr>
         <p:spPr>
           <a:xfrm>
-            <a:off x="381300" y="685800"/>
+            <a:off x="381000" y="685800"/>
             <a:ext cx="6096000" cy="3429000"/>
           </a:xfrm>
           <a:custGeom>
@@ -1258,7 +1264,7 @@
         </p:nvSpPr>
         <p:spPr>
           <a:xfrm>
-            <a:off x="381300" y="685800"/>
+            <a:off x="381000" y="685800"/>
             <a:ext cx="6096000" cy="3429000"/>
           </a:xfrm>
           <a:custGeom>
@@ -1321,7 +1327,7 @@
               </a:spcAft>
               <a:buNone/>
             </a:pPr>
-            <a:endParaRPr/>
+            <a:endParaRPr dirty="0"/>
           </a:p>
         </p:txBody>
       </p:sp>
@@ -1362,7 +1368,7 @@
         </p:nvSpPr>
         <p:spPr>
           <a:xfrm>
-            <a:off x="381300" y="685800"/>
+            <a:off x="381000" y="685800"/>
             <a:ext cx="6096000" cy="3429000"/>
           </a:xfrm>
           <a:custGeom>
@@ -1466,7 +1472,7 @@
         </p:nvSpPr>
         <p:spPr>
           <a:xfrm>
-            <a:off x="381300" y="685800"/>
+            <a:off x="381000" y="685800"/>
             <a:ext cx="6096000" cy="3429000"/>
           </a:xfrm>
           <a:custGeom>
@@ -1570,7 +1576,7 @@
         </p:nvSpPr>
         <p:spPr>
           <a:xfrm>
-            <a:off x="381300" y="685800"/>
+            <a:off x="381000" y="685800"/>
             <a:ext cx="6096000" cy="3429000"/>
           </a:xfrm>
           <a:custGeom>
@@ -6591,10 +6597,10 @@
               <a:buChar char="■"/>
             </a:pPr>
             <a:r>
-              <a:rPr lang="en"/>
+              <a:rPr lang="en" dirty="0"/>
               <a:t>the final value is Zero  (Z)</a:t>
             </a:r>
-            <a:endParaRPr/>
+            <a:endParaRPr dirty="0"/>
           </a:p>
           <a:p>
             <a:pPr marL="1371600" lvl="2" indent="-317500" algn="l" rtl="0">
@@ -10042,10 +10048,10 @@
               <a:buChar char="●"/>
             </a:pPr>
             <a:r>
-              <a:rPr lang="en"/>
+              <a:rPr lang="en" dirty="0"/>
               <a:t>First, introduce some status values:</a:t>
             </a:r>
-            <a:endParaRPr/>
+            <a:endParaRPr dirty="0"/>
           </a:p>
           <a:p>
             <a:pPr marL="914400" lvl="1" indent="-317500" algn="l" rtl="0">
@@ -10059,10 +10065,10 @@
               <a:buChar char="○"/>
             </a:pPr>
             <a:r>
-              <a:rPr lang="en"/>
+              <a:rPr lang="en" dirty="0"/>
               <a:t>Zero, Carry,  (Sign, Overflow)</a:t>
             </a:r>
-            <a:endParaRPr/>
+            <a:endParaRPr dirty="0"/>
           </a:p>
           <a:p>
             <a:pPr marL="457200" lvl="0" indent="-342900" algn="l" rtl="0">
@@ -10076,10 +10082,10 @@
               <a:buChar char="●"/>
             </a:pPr>
             <a:r>
-              <a:rPr lang="en"/>
+              <a:rPr lang="en" dirty="0"/>
               <a:t>Assume a word size of 4</a:t>
             </a:r>
-            <a:endParaRPr/>
+            <a:endParaRPr dirty="0"/>
           </a:p>
           <a:p>
             <a:pPr marL="457200" lvl="0" indent="-342900" algn="l" rtl="0">
@@ -10093,10 +10099,10 @@
               <a:buChar char="●"/>
             </a:pPr>
             <a:r>
-              <a:rPr lang="en"/>
+              <a:rPr lang="en" dirty="0"/>
               <a:t>Notice the notation of  "to carry" a value</a:t>
             </a:r>
-            <a:endParaRPr/>
+            <a:endParaRPr dirty="0"/>
           </a:p>
           <a:p>
             <a:pPr marL="0" lvl="0" indent="0" algn="l" rtl="0">
@@ -10108,7 +10114,7 @@
               </a:spcAft>
               <a:buNone/>
             </a:pPr>
-            <a:endParaRPr/>
+            <a:endParaRPr dirty="0"/>
           </a:p>
         </p:txBody>
       </p:sp>
@@ -13849,7 +13855,7 @@
         </p:spPr>
         <p:txBody>
           <a:bodyPr spcFirstLastPara="1" wrap="square" lIns="91425" tIns="91425" rIns="91425" bIns="91425" anchor="t" anchorCtr="0">
-            <a:normAutofit/>
+            <a:normAutofit lnSpcReduction="10000"/>
           </a:bodyPr>
           <a:lstStyle/>
           <a:p>
@@ -13864,10 +13870,22 @@
               <a:buChar char="●"/>
             </a:pPr>
             <a:r>
-              <a:rPr lang="en"/>
+              <a:rPr lang="en" dirty="0"/>
               <a:t>3757 - 1963 = 1794</a:t>
             </a:r>
-            <a:endParaRPr/>
+          </a:p>
+          <a:p>
+            <a:pPr marL="457200" lvl="0" indent="-342900" algn="l" rtl="0">
+              <a:spcBef>
+                <a:spcPts val="0"/>
+              </a:spcBef>
+              <a:spcAft>
+                <a:spcPts val="0"/>
+              </a:spcAft>
+              <a:buSzPts val="1800"/>
+              <a:buChar char="●"/>
+            </a:pPr>
+            <a:endParaRPr dirty="0"/>
           </a:p>
           <a:p>
             <a:pPr marL="457200" lvl="0" indent="-342900" algn="l" rtl="0">
@@ -13881,10 +13899,10 @@
               <a:buChar char="●"/>
             </a:pPr>
             <a:r>
-              <a:rPr lang="en"/>
+              <a:rPr lang="en" dirty="0"/>
               <a:t>Traditional Method:</a:t>
             </a:r>
-            <a:endParaRPr/>
+            <a:endParaRPr dirty="0"/>
           </a:p>
           <a:p>
             <a:pPr marL="914400" lvl="1" indent="-317500" algn="l" rtl="0">
@@ -13898,10 +13916,35 @@
               <a:buChar char="○"/>
             </a:pPr>
             <a:r>
-              <a:rPr lang="en"/>
+              <a:rPr lang="en" dirty="0"/>
               <a:t>Notice the notation of  "to borrow" a value</a:t>
             </a:r>
-            <a:endParaRPr/>
+          </a:p>
+          <a:p>
+            <a:pPr marL="914400" lvl="1" indent="-317500" algn="l" rtl="0">
+              <a:spcBef>
+                <a:spcPts val="0"/>
+              </a:spcBef>
+              <a:spcAft>
+                <a:spcPts val="0"/>
+              </a:spcAft>
+              <a:buSzPts val="1400"/>
+              <a:buChar char="○"/>
+            </a:pPr>
+            <a:endParaRPr lang="en" dirty="0"/>
+          </a:p>
+          <a:p>
+            <a:pPr marL="914400" lvl="1" indent="-317500" algn="l" rtl="0">
+              <a:spcBef>
+                <a:spcPts val="0"/>
+              </a:spcBef>
+              <a:spcAft>
+                <a:spcPts val="0"/>
+              </a:spcAft>
+              <a:buSzPts val="1400"/>
+              <a:buChar char="○"/>
+            </a:pPr>
+            <a:endParaRPr dirty="0"/>
           </a:p>
           <a:p>
             <a:pPr marL="457200" lvl="0" indent="-342900" algn="l" rtl="0">
@@ -13915,10 +13958,10 @@
               <a:buChar char="●"/>
             </a:pPr>
             <a:r>
-              <a:rPr lang="en"/>
+              <a:rPr lang="en" dirty="0"/>
               <a:t>Other Methods: (common core)</a:t>
             </a:r>
-            <a:endParaRPr/>
+            <a:endParaRPr dirty="0"/>
           </a:p>
           <a:p>
             <a:pPr marL="914400" lvl="1" indent="-317500" algn="l" rtl="0">
@@ -13932,10 +13975,10 @@
               <a:buChar char="○"/>
             </a:pPr>
             <a:r>
-              <a:rPr lang="en"/>
+              <a:rPr lang="en" dirty="0"/>
               <a:t>Left → Right (Mental Math)</a:t>
             </a:r>
-            <a:endParaRPr/>
+            <a:endParaRPr dirty="0"/>
           </a:p>
           <a:p>
             <a:pPr marL="914400" lvl="1" indent="-317500" algn="l" rtl="0">
@@ -13949,10 +13992,10 @@
               <a:buChar char="○"/>
             </a:pPr>
             <a:r>
-              <a:rPr lang="en"/>
+              <a:rPr lang="en" dirty="0"/>
               <a:t>Singapore (No Borrow)</a:t>
             </a:r>
-            <a:endParaRPr/>
+            <a:endParaRPr dirty="0"/>
           </a:p>
           <a:p>
             <a:pPr marL="914400" lvl="1" indent="-317500" algn="l" rtl="0">
@@ -13966,10 +14009,22 @@
               <a:buChar char="○"/>
             </a:pPr>
             <a:r>
-              <a:rPr lang="en"/>
+              <a:rPr lang="en" dirty="0"/>
               <a:t>Counting Up (Giving Change)</a:t>
             </a:r>
-            <a:endParaRPr/>
+          </a:p>
+          <a:p>
+            <a:pPr marL="914400" lvl="1" indent="-317500" algn="l" rtl="0">
+              <a:spcBef>
+                <a:spcPts val="0"/>
+              </a:spcBef>
+              <a:spcAft>
+                <a:spcPts val="0"/>
+              </a:spcAft>
+              <a:buSzPts val="1400"/>
+              <a:buChar char="○"/>
+            </a:pPr>
+            <a:endParaRPr dirty="0"/>
           </a:p>
           <a:p>
             <a:pPr marL="457200" lvl="0" indent="-342900" algn="l" rtl="0">
@@ -13983,10 +14038,10 @@
               <a:buChar char="●"/>
             </a:pPr>
             <a:r>
-              <a:rPr lang="en"/>
+              <a:rPr lang="en" dirty="0"/>
               <a:t>Via Method of Complements</a:t>
             </a:r>
-            <a:endParaRPr/>
+            <a:endParaRPr dirty="0"/>
           </a:p>
         </p:txBody>
       </p:sp>
@@ -15093,48 +15148,6 @@
       </p:cxnSp>
       <p:sp>
         <p:nvSpPr>
-          <p:cNvPr id="382" name="Google Shape;382;p18"/>
-          <p:cNvSpPr txBox="1"/>
-          <p:nvPr/>
-        </p:nvSpPr>
-        <p:spPr>
-          <a:xfrm>
-            <a:off x="7492600" y="1618125"/>
-            <a:ext cx="369000" cy="400200"/>
-          </a:xfrm>
-          <a:prstGeom prst="rect">
-            <a:avLst/>
-          </a:prstGeom>
-          <a:noFill/>
-          <a:ln>
-            <a:noFill/>
-          </a:ln>
-        </p:spPr>
-        <p:txBody>
-          <a:bodyPr spcFirstLastPara="1" wrap="square" lIns="91425" tIns="91425" rIns="91425" bIns="91425" anchor="t" anchorCtr="0">
-            <a:spAutoFit/>
-          </a:bodyPr>
-          <a:lstStyle/>
-          <a:p>
-            <a:pPr marL="0" lvl="0" indent="0" algn="l" rtl="0">
-              <a:spcBef>
-                <a:spcPts val="0"/>
-              </a:spcBef>
-              <a:spcAft>
-                <a:spcPts val="0"/>
-              </a:spcAft>
-              <a:buNone/>
-            </a:pPr>
-            <a:r>
-              <a:rPr lang="en"/>
-              <a:t>x</a:t>
-            </a:r>
-            <a:endParaRPr/>
-          </a:p>
-        </p:txBody>
-      </p:sp>
-      <p:sp>
-        <p:nvSpPr>
           <p:cNvPr id="383" name="Google Shape;383;p18"/>
           <p:cNvSpPr/>
           <p:nvPr/>
@@ -15275,7 +15288,7 @@
         </p:spPr>
         <p:txBody>
           <a:bodyPr spcFirstLastPara="1" wrap="square" lIns="91425" tIns="91425" rIns="91425" bIns="91425" anchor="t" anchorCtr="0">
-            <a:normAutofit/>
+            <a:normAutofit lnSpcReduction="10000"/>
           </a:bodyPr>
           <a:lstStyle/>
           <a:p>
@@ -15290,10 +15303,22 @@
               <a:buChar char="●"/>
             </a:pPr>
             <a:r>
-              <a:rPr lang="en"/>
+              <a:rPr lang="en" dirty="0"/>
               <a:t>3757 - 1963 = 1794</a:t>
             </a:r>
-            <a:endParaRPr/>
+          </a:p>
+          <a:p>
+            <a:pPr marL="114300" lvl="0" indent="0" algn="l" rtl="0">
+              <a:spcBef>
+                <a:spcPts val="0"/>
+              </a:spcBef>
+              <a:spcAft>
+                <a:spcPts val="0"/>
+              </a:spcAft>
+              <a:buSzPts val="1800"/>
+              <a:buNone/>
+            </a:pPr>
+            <a:endParaRPr dirty="0"/>
           </a:p>
           <a:p>
             <a:pPr marL="457200" lvl="0" indent="-342900" algn="l" rtl="0">
@@ -15307,10 +15332,10 @@
               <a:buChar char="●"/>
             </a:pPr>
             <a:r>
-              <a:rPr lang="en"/>
+              <a:rPr lang="en" dirty="0"/>
               <a:t>Traditional Method:</a:t>
             </a:r>
-            <a:endParaRPr/>
+            <a:endParaRPr dirty="0"/>
           </a:p>
           <a:p>
             <a:pPr marL="914400" lvl="1" indent="-317500" algn="l" rtl="0">
@@ -15324,10 +15349,35 @@
               <a:buChar char="○"/>
             </a:pPr>
             <a:r>
-              <a:rPr lang="en"/>
+              <a:rPr lang="en" dirty="0"/>
               <a:t>Notice the notation of  "to borrow" a value</a:t>
             </a:r>
-            <a:endParaRPr/>
+          </a:p>
+          <a:p>
+            <a:pPr marL="914400" lvl="1" indent="-317500" algn="l" rtl="0">
+              <a:spcBef>
+                <a:spcPts val="0"/>
+              </a:spcBef>
+              <a:spcAft>
+                <a:spcPts val="0"/>
+              </a:spcAft>
+              <a:buSzPts val="1400"/>
+              <a:buChar char="○"/>
+            </a:pPr>
+            <a:endParaRPr lang="en-US" dirty="0"/>
+          </a:p>
+          <a:p>
+            <a:pPr marL="914400" lvl="1" indent="-317500" algn="l" rtl="0">
+              <a:spcBef>
+                <a:spcPts val="0"/>
+              </a:spcBef>
+              <a:spcAft>
+                <a:spcPts val="0"/>
+              </a:spcAft>
+              <a:buSzPts val="1400"/>
+              <a:buChar char="○"/>
+            </a:pPr>
+            <a:endParaRPr dirty="0"/>
           </a:p>
           <a:p>
             <a:pPr marL="457200" lvl="0" indent="-342900" algn="l" rtl="0">
@@ -15341,10 +15391,10 @@
               <a:buChar char="●"/>
             </a:pPr>
             <a:r>
-              <a:rPr lang="en"/>
+              <a:rPr lang="en" dirty="0"/>
               <a:t>Other Methods: (common core)</a:t>
             </a:r>
-            <a:endParaRPr/>
+            <a:endParaRPr dirty="0"/>
           </a:p>
           <a:p>
             <a:pPr marL="914400" lvl="1" indent="-317500" algn="l" rtl="0">
@@ -15358,10 +15408,10 @@
               <a:buChar char="○"/>
             </a:pPr>
             <a:r>
-              <a:rPr lang="en"/>
+              <a:rPr lang="en" dirty="0"/>
               <a:t>Left → Right (Mental Math)</a:t>
             </a:r>
-            <a:endParaRPr/>
+            <a:endParaRPr dirty="0"/>
           </a:p>
           <a:p>
             <a:pPr marL="914400" lvl="1" indent="-317500" algn="l" rtl="0">
@@ -15375,10 +15425,10 @@
               <a:buChar char="○"/>
             </a:pPr>
             <a:r>
-              <a:rPr lang="en"/>
+              <a:rPr lang="en" dirty="0"/>
               <a:t>Singapore (No Borrow)</a:t>
             </a:r>
-            <a:endParaRPr/>
+            <a:endParaRPr dirty="0"/>
           </a:p>
           <a:p>
             <a:pPr marL="914400" lvl="1" indent="-317500" algn="l" rtl="0">
@@ -15392,10 +15442,22 @@
               <a:buChar char="○"/>
             </a:pPr>
             <a:r>
-              <a:rPr lang="en"/>
+              <a:rPr lang="en" dirty="0"/>
               <a:t>Counting Up (Giving Change)</a:t>
             </a:r>
-            <a:endParaRPr/>
+          </a:p>
+          <a:p>
+            <a:pPr marL="914400" lvl="1" indent="-317500" algn="l" rtl="0">
+              <a:spcBef>
+                <a:spcPts val="0"/>
+              </a:spcBef>
+              <a:spcAft>
+                <a:spcPts val="0"/>
+              </a:spcAft>
+              <a:buSzPts val="1400"/>
+              <a:buChar char="○"/>
+            </a:pPr>
+            <a:endParaRPr dirty="0"/>
           </a:p>
           <a:p>
             <a:pPr marL="457200" lvl="0" indent="-342900" algn="l" rtl="0">
@@ -15409,10 +15471,10 @@
               <a:buChar char="●"/>
             </a:pPr>
             <a:r>
-              <a:rPr lang="en"/>
+              <a:rPr lang="en" dirty="0"/>
               <a:t>Via Method of Complements</a:t>
             </a:r>
-            <a:endParaRPr/>
+            <a:endParaRPr dirty="0"/>
           </a:p>
         </p:txBody>
       </p:sp>
@@ -16699,7 +16761,7 @@
         </p:spPr>
         <p:txBody>
           <a:bodyPr spcFirstLastPara="1" wrap="square" lIns="91425" tIns="91425" rIns="91425" bIns="91425" anchor="t" anchorCtr="0">
-            <a:normAutofit fontScale="85000" lnSpcReduction="20000"/>
+            <a:normAutofit fontScale="92500" lnSpcReduction="10000"/>
           </a:bodyPr>
           <a:lstStyle/>
           <a:p>
@@ -16714,10 +16776,10 @@
               <a:buChar char="●"/>
             </a:pPr>
             <a:r>
-              <a:rPr lang="en"/>
+              <a:rPr lang="en" dirty="0"/>
               <a:t>A technique to encode both positive and negative numbers</a:t>
             </a:r>
-            <a:endParaRPr/>
+            <a:endParaRPr dirty="0"/>
           </a:p>
           <a:p>
             <a:pPr marL="914400" lvl="1" indent="-304165" algn="l" rtl="0">
@@ -16731,13 +16793,58 @@
               <a:buChar char="○"/>
             </a:pPr>
             <a:r>
-              <a:rPr lang="en"/>
-              <a:t>uses the same algorithm to perform addition</a:t>
+              <a:rPr lang="en" dirty="0"/>
+              <a:t>uses the same algorithm to perform addition, subtraction performed by the addition of complements</a:t>
             </a:r>
-            <a:endParaRPr/>
+            <a:br>
+              <a:rPr lang="en" dirty="0"/>
+            </a:br>
+            <a:r>
+              <a:rPr lang="en" dirty="0"/>
+              <a:t> </a:t>
+            </a:r>
+            <a:endParaRPr dirty="0"/>
           </a:p>
           <a:p>
-            <a:pPr marL="914400" lvl="1" indent="-304165" algn="l" rtl="0">
+            <a:pPr marL="457200" lvl="0" indent="-325755" algn="l" rtl="0">
+              <a:spcBef>
+                <a:spcPts val="0"/>
+              </a:spcBef>
+              <a:spcAft>
+                <a:spcPts val="0"/>
+              </a:spcAft>
+              <a:buSzPct val="100000"/>
+              <a:buChar char="●"/>
+            </a:pPr>
+            <a:r>
+              <a:rPr lang="en" dirty="0"/>
+              <a:t>Complement: </a:t>
+            </a:r>
+            <a:r>
+              <a:rPr lang="en" i="1" dirty="0"/>
+              <a:t>a thing that completes or brings to perfection: </a:t>
+            </a:r>
+            <a:endParaRPr i="1" dirty="0"/>
+          </a:p>
+          <a:p>
+            <a:pPr marL="457200" lvl="0" indent="-325755" algn="l" rtl="0">
+              <a:spcBef>
+                <a:spcPts val="0"/>
+              </a:spcBef>
+              <a:spcAft>
+                <a:spcPts val="0"/>
+              </a:spcAft>
+              <a:buSzPct val="112500"/>
+              <a:buChar char="●"/>
+            </a:pPr>
+            <a:r>
+              <a:rPr lang="en" dirty="0"/>
+              <a:t>Radix 10:</a:t>
+            </a:r>
+            <a:endParaRPr lang="en-US" sz="1600" i="1" dirty="0"/>
+          </a:p>
+          <a:p>
+            <a:pPr marL="914400" lvl="1" indent="-314960" algn="l" rtl="0">
               <a:spcBef>
                 <a:spcPts val="0"/>
               </a:spcBef>
@@ -16748,20 +16855,12 @@
               <a:buChar char="○"/>
             </a:pPr>
             <a:r>
-              <a:rPr lang="en"/>
-              <a:t>subtraction perform my addition of complements</a:t>
+              <a:rPr lang="en-US" sz="1600" i="1" dirty="0"/>
+              <a:t>10's complement</a:t>
             </a:r>
-            <a:br>
-              <a:rPr lang="en"/>
-            </a:br>
-            <a:r>
-              <a:rPr lang="en"/>
-              <a:t> </a:t>
-            </a:r>
-            <a:endParaRPr/>
           </a:p>
           <a:p>
-            <a:pPr marL="457200" lvl="0" indent="-325755" algn="l" rtl="0">
+            <a:pPr marL="1371600" lvl="2" indent="-304164" algn="l" rtl="0">
               <a:spcBef>
                 <a:spcPts val="0"/>
               </a:spcBef>
@@ -16769,45 +16868,33 @@
                 <a:spcPts val="0"/>
               </a:spcAft>
               <a:buSzPct val="100000"/>
-              <a:buChar char="●"/>
+              <a:buChar char="■"/>
             </a:pPr>
             <a:r>
-              <a:rPr lang="en"/>
-              <a:t>Complement: </a:t>
+              <a:rPr lang="en" dirty="0"/>
+              <a:t>  7 + x = 10		: x is the 10s complements of 7		x = 3</a:t>
             </a:r>
-            <a:r>
-              <a:rPr lang="en" i="1"/>
-              <a:t>a thing that completes or brings to perfection</a:t>
-            </a:r>
-            <a:endParaRPr i="1"/>
+            <a:endParaRPr dirty="0"/>
           </a:p>
           <a:p>
-            <a:pPr marL="457200" lvl="0" indent="-325755" algn="l" rtl="0">
-              <a:spcBef>
-                <a:spcPts val="0"/>
-              </a:spcBef>
-              <a:spcAft>
-                <a:spcPts val="0"/>
-              </a:spcAft>
-              <a:buSzPct val="112500"/>
-              <a:buChar char="●"/>
+            <a:pPr marL="1371600" lvl="2" indent="-304164" algn="l" rtl="0">
+              <a:spcBef>
+                <a:spcPts val="0"/>
+              </a:spcBef>
+              <a:spcAft>
+                <a:spcPts val="0"/>
+              </a:spcAft>
+              <a:buSzPct val="100000"/>
+              <a:buChar char="■"/>
             </a:pPr>
             <a:r>
-              <a:rPr lang="en"/>
-              <a:t>Radix 10: </a:t>
+              <a:rPr lang="en" dirty="0"/>
+              <a:t>46 + y = 100		: y is the 10s complements of 46		y = 54</a:t>
             </a:r>
-            <a:r>
-              <a:rPr lang="en" i="1"/>
-              <a:t> (</a:t>
-            </a:r>
-            <a:r>
-              <a:rPr lang="en" sz="1600" i="1"/>
-              <a:t>the radix or base is the number of unique digits to represent a number)</a:t>
-            </a:r>
-            <a:endParaRPr sz="1600" i="1"/>
+            <a:endParaRPr dirty="0"/>
           </a:p>
           <a:p>
-            <a:pPr marL="914400" lvl="1" indent="-314960" algn="l" rtl="0">
+            <a:pPr marL="914400" lvl="1" indent="-304165" algn="l" rtl="0">
               <a:spcBef>
                 <a:spcPts val="0"/>
               </a:spcBef>
@@ -16818,10 +16905,10 @@
               <a:buChar char="○"/>
             </a:pPr>
             <a:r>
-              <a:rPr lang="en" sz="1600" i="1"/>
-              <a:t>10's complement</a:t>
+              <a:rPr lang="en" sz="1700" dirty="0"/>
+              <a:t>9's complement</a:t>
             </a:r>
-            <a:endParaRPr sz="1600" i="1"/>
+            <a:endParaRPr sz="1700" dirty="0"/>
           </a:p>
           <a:p>
             <a:pPr marL="1371600" lvl="2" indent="-304164" algn="l" rtl="0">
@@ -16836,9 +16923,21 @@
             </a:pPr>
             <a:r>
               <a:rPr lang="en"/>
-              <a:t>7 + x = 10		: x is the 10s complements of 7		x = 3</a:t>
+              <a:t>  7 </a:t>
             </a:r>
-            <a:endParaRPr/>
+            <a:r>
+              <a:rPr lang="en" dirty="0"/>
+              <a:t>+ a </a:t>
+            </a:r>
+            <a:r>
+              <a:rPr lang="en"/>
+              <a:t>=   9</a:t>
+            </a:r>
+            <a:r>
+              <a:rPr lang="en" dirty="0"/>
+              <a:t>		: a is the 9s complements of 7		a = 2</a:t>
+            </a:r>
+            <a:endParaRPr dirty="0"/>
           </a:p>
           <a:p>
             <a:pPr marL="1371600" lvl="2" indent="-304164" algn="l" rtl="0">
@@ -16852,64 +16951,13 @@
               <a:buChar char="■"/>
             </a:pPr>
             <a:r>
-              <a:rPr lang="en"/>
-              <a:t>46 + y = 100		: y is the 10s complements of 46		y = 54</a:t>
-            </a:r>
-            <a:endParaRPr/>
-          </a:p>
-          <a:p>
-            <a:pPr marL="914400" lvl="1" indent="-304165" algn="l" rtl="0">
-              <a:spcBef>
-                <a:spcPts val="0"/>
-              </a:spcBef>
-              <a:spcAft>
-                <a:spcPts val="0"/>
-              </a:spcAft>
-              <a:buSzPct val="100000"/>
-              <a:buChar char="○"/>
-            </a:pPr>
-            <a:r>
-              <a:rPr lang="en"/>
-              <a:t>9's complement</a:t>
-            </a:r>
-            <a:endParaRPr/>
-          </a:p>
-          <a:p>
-            <a:pPr marL="1371600" lvl="2" indent="-304164" algn="l" rtl="0">
-              <a:spcBef>
-                <a:spcPts val="0"/>
-              </a:spcBef>
-              <a:spcAft>
-                <a:spcPts val="0"/>
-              </a:spcAft>
-              <a:buSzPct val="100000"/>
-              <a:buChar char="■"/>
-            </a:pPr>
-            <a:r>
-              <a:rPr lang="en"/>
-              <a:t>7 + a = 9		: a is the 9s complements of 7		a = 2</a:t>
-            </a:r>
-            <a:endParaRPr/>
-          </a:p>
-          <a:p>
-            <a:pPr marL="1371600" lvl="2" indent="-304164" algn="l" rtl="0">
-              <a:spcBef>
-                <a:spcPts val="0"/>
-              </a:spcBef>
-              <a:spcAft>
-                <a:spcPts val="0"/>
-              </a:spcAft>
-              <a:buSzPct val="100000"/>
-              <a:buChar char="■"/>
-            </a:pPr>
-            <a:r>
-              <a:rPr lang="en"/>
+              <a:rPr lang="en" dirty="0"/>
               <a:t>46 + b = 99		: b is the 9s complements of 46		b = 53</a:t>
             </a:r>
             <a:br>
-              <a:rPr lang="en"/>
+              <a:rPr lang="en" dirty="0"/>
             </a:br>
-            <a:endParaRPr/>
+            <a:endParaRPr dirty="0"/>
           </a:p>
           <a:p>
             <a:pPr marL="457200" lvl="0" indent="-325755" algn="l" rtl="0">
@@ -16923,10 +16971,10 @@
               <a:buChar char="●"/>
             </a:pPr>
             <a:r>
-              <a:rPr lang="en"/>
+              <a:rPr lang="en" dirty="0"/>
               <a:t>The math:</a:t>
             </a:r>
-            <a:endParaRPr/>
+            <a:endParaRPr dirty="0"/>
           </a:p>
           <a:p>
             <a:pPr marL="0" lvl="0" indent="0" algn="l" rtl="0">
@@ -16938,7 +16986,7 @@
               </a:spcAft>
               <a:buNone/>
             </a:pPr>
-            <a:endParaRPr/>
+            <a:endParaRPr dirty="0"/>
           </a:p>
         </p:txBody>
       </p:sp>
@@ -16950,7 +16998,7 @@
         </p:nvSpPr>
         <p:spPr>
           <a:xfrm>
-            <a:off x="2577525" y="3931675"/>
+            <a:off x="2102274" y="4193729"/>
             <a:ext cx="627600" cy="831300"/>
           </a:xfrm>
           <a:prstGeom prst="rect">
@@ -16967,7 +17015,7 @@
           </a:bodyPr>
           <a:lstStyle/>
           <a:p>
-            <a:pPr marL="0" lvl="0" indent="0" algn="l" rtl="0">
+            <a:pPr marL="0" lvl="0" indent="0" algn="r" rtl="0">
               <a:spcBef>
                 <a:spcPts val="0"/>
               </a:spcBef>
@@ -16977,13 +17025,13 @@
               <a:buNone/>
             </a:pPr>
             <a:r>
-              <a:rPr lang="en"/>
+              <a:rPr lang="en" dirty="0"/>
               <a:t>  45</a:t>
             </a:r>
-            <a:endParaRPr/>
+            <a:endParaRPr dirty="0"/>
           </a:p>
           <a:p>
-            <a:pPr marL="0" lvl="0" indent="0" algn="l" rtl="0">
+            <a:pPr marL="0" lvl="0" indent="0" algn="r" rtl="0">
               <a:spcBef>
                 <a:spcPts val="0"/>
               </a:spcBef>
@@ -16993,13 +17041,13 @@
               <a:buNone/>
             </a:pPr>
             <a:r>
-              <a:rPr lang="en" u="sng"/>
+              <a:rPr lang="en" u="sng" dirty="0"/>
               <a:t>- 11</a:t>
             </a:r>
-            <a:endParaRPr u="sng"/>
+            <a:endParaRPr u="sng" dirty="0"/>
           </a:p>
           <a:p>
-            <a:pPr marL="0" lvl="0" indent="0" algn="l" rtl="0">
+            <a:pPr marL="0" lvl="0" indent="0" algn="r" rtl="0">
               <a:spcBef>
                 <a:spcPts val="0"/>
               </a:spcBef>
@@ -17009,10 +17057,10 @@
               <a:buNone/>
             </a:pPr>
             <a:r>
-              <a:rPr lang="en"/>
+              <a:rPr lang="en" dirty="0"/>
               <a:t>  34</a:t>
             </a:r>
-            <a:endParaRPr/>
+            <a:endParaRPr dirty="0"/>
           </a:p>
         </p:txBody>
       </p:sp>
@@ -17024,7 +17072,89 @@
         </p:nvSpPr>
         <p:spPr>
           <a:xfrm>
-            <a:off x="4779575" y="3973050"/>
+            <a:off x="3997519" y="4217056"/>
+            <a:ext cx="779017" cy="830966"/>
+          </a:xfrm>
+          <a:prstGeom prst="rect">
+            <a:avLst/>
+          </a:prstGeom>
+          <a:noFill/>
+          <a:ln>
+            <a:noFill/>
+          </a:ln>
+        </p:spPr>
+        <p:txBody>
+          <a:bodyPr spcFirstLastPara="1" wrap="square" lIns="91425" tIns="91425" rIns="91425" bIns="91425" anchor="t" anchorCtr="0">
+            <a:spAutoFit/>
+          </a:bodyPr>
+          <a:lstStyle/>
+          <a:p>
+            <a:pPr marL="0" lvl="0" indent="0" algn="r" rtl="0">
+              <a:spcBef>
+                <a:spcPts val="0"/>
+              </a:spcBef>
+              <a:spcAft>
+                <a:spcPts val="0"/>
+              </a:spcAft>
+              <a:buNone/>
+            </a:pPr>
+            <a:r>
+              <a:rPr lang="en" dirty="0"/>
+              <a:t>      45</a:t>
+            </a:r>
+            <a:endParaRPr dirty="0"/>
+          </a:p>
+          <a:p>
+            <a:pPr marL="0" lvl="0" indent="0" algn="r" rtl="0">
+              <a:spcBef>
+                <a:spcPts val="0"/>
+              </a:spcBef>
+              <a:spcAft>
+                <a:spcPts val="0"/>
+              </a:spcAft>
+              <a:buNone/>
+            </a:pPr>
+            <a:r>
+              <a:rPr lang="en" u="sng" dirty="0"/>
+              <a:t>  +   89</a:t>
+            </a:r>
+            <a:endParaRPr u="sng" dirty="0"/>
+          </a:p>
+          <a:p>
+            <a:pPr marL="0" lvl="0" indent="0" algn="r" rtl="0">
+              <a:spcBef>
+                <a:spcPts val="0"/>
+              </a:spcBef>
+              <a:spcAft>
+                <a:spcPts val="0"/>
+              </a:spcAft>
+              <a:buNone/>
+            </a:pPr>
+            <a:r>
+              <a:rPr lang="en" dirty="0"/>
+              <a:t> </a:t>
+            </a:r>
+            <a:r>
+              <a:rPr lang="en" strike="sngStrike" dirty="0"/>
+              <a:t>1</a:t>
+            </a:r>
+            <a:r>
+              <a:rPr lang="en" dirty="0"/>
+              <a:t>   34</a:t>
+            </a:r>
+            <a:endParaRPr dirty="0"/>
+          </a:p>
+        </p:txBody>
+      </p:sp>
+      <p:sp>
+        <p:nvSpPr>
+          <p:cNvPr id="424" name="Google Shape;424;p20"/>
+          <p:cNvSpPr txBox="1"/>
+          <p:nvPr/>
+        </p:nvSpPr>
+        <p:spPr>
+          <a:xfrm>
+            <a:off x="6365902" y="4210068"/>
             <a:ext cx="726000" cy="831300"/>
           </a:xfrm>
           <a:prstGeom prst="rect">
@@ -17041,7 +17171,7 @@
           </a:bodyPr>
           <a:lstStyle/>
           <a:p>
-            <a:pPr marL="0" lvl="0" indent="0" algn="l" rtl="0">
+            <a:pPr marL="0" lvl="0" indent="0" algn="r" rtl="0">
               <a:spcBef>
                 <a:spcPts val="0"/>
               </a:spcBef>
@@ -17051,13 +17181,13 @@
               <a:buNone/>
             </a:pPr>
             <a:r>
-              <a:rPr lang="en"/>
+              <a:rPr lang="en" dirty="0"/>
               <a:t>    45</a:t>
             </a:r>
-            <a:endParaRPr/>
+            <a:endParaRPr dirty="0"/>
           </a:p>
           <a:p>
-            <a:pPr marL="0" lvl="0" indent="0" algn="l" rtl="0">
+            <a:pPr marL="0" lvl="0" indent="0" algn="r" rtl="0">
               <a:spcBef>
                 <a:spcPts val="0"/>
               </a:spcBef>
@@ -17067,13 +17197,13 @@
               <a:buNone/>
             </a:pPr>
             <a:r>
-              <a:rPr lang="en" u="sng"/>
-              <a:t> + 89       </a:t>
+              <a:rPr lang="en" u="sng" dirty="0"/>
+              <a:t> +   88</a:t>
             </a:r>
-            <a:endParaRPr u="sng"/>
+            <a:endParaRPr u="sng" dirty="0"/>
           </a:p>
           <a:p>
-            <a:pPr marL="0" lvl="0" indent="0" algn="l" rtl="0">
+            <a:pPr marL="0" lvl="0" indent="0" algn="r" rtl="0">
               <a:spcBef>
                 <a:spcPts val="0"/>
               </a:spcBef>
@@ -17083,96 +17213,14 @@
               <a:buNone/>
             </a:pPr>
             <a:r>
-              <a:rPr lang="en"/>
-              <a:t> </a:t>
+              <a:rPr lang="en" strike="sngStrike" dirty="0"/>
+              <a:t>1</a:t>
             </a:r>
             <a:r>
-              <a:rPr lang="en" strike="sngStrike"/>
-              <a:t> 1</a:t>
+              <a:rPr lang="en" dirty="0"/>
+              <a:t>   33</a:t>
             </a:r>
-            <a:r>
-              <a:rPr lang="en"/>
-              <a:t>34</a:t>
-            </a:r>
-            <a:endParaRPr/>
-          </a:p>
-        </p:txBody>
-      </p:sp>
-      <p:sp>
-        <p:nvSpPr>
-          <p:cNvPr id="424" name="Google Shape;424;p20"/>
-          <p:cNvSpPr txBox="1"/>
-          <p:nvPr/>
-        </p:nvSpPr>
-        <p:spPr>
-          <a:xfrm>
-            <a:off x="6564425" y="4049250"/>
-            <a:ext cx="1581300" cy="831300"/>
-          </a:xfrm>
-          <a:prstGeom prst="rect">
-            <a:avLst/>
-          </a:prstGeom>
-          <a:noFill/>
-          <a:ln>
-            <a:noFill/>
-          </a:ln>
-        </p:spPr>
-        <p:txBody>
-          <a:bodyPr spcFirstLastPara="1" wrap="square" lIns="91425" tIns="91425" rIns="91425" bIns="91425" anchor="t" anchorCtr="0">
-            <a:spAutoFit/>
-          </a:bodyPr>
-          <a:lstStyle/>
-          <a:p>
-            <a:pPr marL="0" lvl="0" indent="0" algn="l" rtl="0">
-              <a:spcBef>
-                <a:spcPts val="0"/>
-              </a:spcBef>
-              <a:spcAft>
-                <a:spcPts val="0"/>
-              </a:spcAft>
-              <a:buNone/>
-            </a:pPr>
-            <a:r>
-              <a:rPr lang="en"/>
-              <a:t>    45</a:t>
-            </a:r>
-            <a:endParaRPr/>
-          </a:p>
-          <a:p>
-            <a:pPr marL="0" lvl="0" indent="0" algn="l" rtl="0">
-              <a:spcBef>
-                <a:spcPts val="0"/>
-              </a:spcBef>
-              <a:spcAft>
-                <a:spcPts val="0"/>
-              </a:spcAft>
-              <a:buNone/>
-            </a:pPr>
-            <a:r>
-              <a:rPr lang="en" u="sng"/>
-              <a:t> + 88</a:t>
-            </a:r>
-            <a:endParaRPr u="sng"/>
-          </a:p>
-          <a:p>
-            <a:pPr marL="0" lvl="0" indent="0" algn="l" rtl="0">
-              <a:spcBef>
-                <a:spcPts val="0"/>
-              </a:spcBef>
-              <a:spcAft>
-                <a:spcPts val="0"/>
-              </a:spcAft>
-              <a:buNone/>
-            </a:pPr>
-            <a:r>
-              <a:rPr lang="en" strike="sngStrike"/>
-              <a:t>  1</a:t>
-            </a:r>
-            <a:r>
-              <a:rPr lang="en"/>
-              <a:t>33 + 1 = 34</a:t>
-            </a:r>
-            <a:endParaRPr/>
+            <a:endParaRPr dirty="0"/>
           </a:p>
         </p:txBody>
       </p:sp>
@@ -17184,7 +17232,7 @@
         </p:nvSpPr>
         <p:spPr>
           <a:xfrm>
-            <a:off x="4351925" y="3649050"/>
+            <a:off x="3569870" y="3911104"/>
             <a:ext cx="1581300" cy="400200"/>
           </a:xfrm>
           <a:prstGeom prst="rect">
@@ -17211,10 +17259,10 @@
               <a:buNone/>
             </a:pPr>
             <a:r>
-              <a:rPr lang="en" u="sng"/>
+              <a:rPr lang="en" u="sng" dirty="0"/>
               <a:t>10's complement</a:t>
             </a:r>
-            <a:endParaRPr u="sng"/>
+            <a:endParaRPr u="sng" dirty="0"/>
           </a:p>
         </p:txBody>
       </p:sp>
@@ -17226,7 +17274,7 @@
         </p:nvSpPr>
         <p:spPr>
           <a:xfrm>
-            <a:off x="6443125" y="3649050"/>
+            <a:off x="6443125" y="3911104"/>
             <a:ext cx="1506000" cy="400200"/>
           </a:xfrm>
           <a:prstGeom prst="rect">
@@ -17268,8 +17316,8 @@
         </p:nvSpPr>
         <p:spPr>
           <a:xfrm>
-            <a:off x="2320425" y="3649050"/>
-            <a:ext cx="1141800" cy="400200"/>
+            <a:off x="1959476" y="3911104"/>
+            <a:ext cx="1072482" cy="400079"/>
           </a:xfrm>
           <a:prstGeom prst="rect">
             <a:avLst/>
@@ -17295,10 +17343,10 @@
               <a:buNone/>
             </a:pPr>
             <a:r>
-              <a:rPr lang="en" u="sng"/>
+              <a:rPr lang="en" u="sng" dirty="0"/>
               <a:t>2nd Grade</a:t>
             </a:r>
-            <a:endParaRPr u="sng"/>
+            <a:endParaRPr u="sng" dirty="0"/>
           </a:p>
         </p:txBody>
       </p:sp>
@@ -17341,6 +17389,222 @@
               <a:t>note: I can take the complement of each digit individually</a:t>
             </a:r>
             <a:endParaRPr sz="1200"/>
+          </a:p>
+        </p:txBody>
+      </p:sp>
+      <mc:AlternateContent xmlns:mc="http://schemas.openxmlformats.org/markup-compatibility/2006">
+        <mc:Choice xmlns:a14="http://schemas.microsoft.com/office/drawing/2010/main" Requires="a14">
+          <p:sp>
+            <p:nvSpPr>
+              <p:cNvPr id="2" name="TextBox 1">
+                <a:extLst>
+                  <a:ext uri="{FF2B5EF4-FFF2-40B4-BE49-F238E27FC236}">
+                    <a16:creationId xmlns:a16="http://schemas.microsoft.com/office/drawing/2014/main" id="{18BAF12D-F4F8-D740-A853-C212C7E21605}"/>
+                  </a:ext>
+                </a:extLst>
+              </p:cNvPr>
+              <p:cNvSpPr txBox="1"/>
+              <p:nvPr/>
+            </p:nvSpPr>
+            <p:spPr>
+              <a:xfrm>
+                <a:off x="6641198" y="1884730"/>
+                <a:ext cx="1953548" cy="307777"/>
+              </a:xfrm>
+              <a:prstGeom prst="rect">
+                <a:avLst/>
+              </a:prstGeom>
+              <a:noFill/>
+            </p:spPr>
+            <p:txBody>
+              <a:bodyPr wrap="none" rtlCol="0">
+                <a:spAutoFit/>
+              </a:bodyPr>
+              <a:lstStyle/>
+              <a:p>
+                <a14:m>
+                  <m:oMath xmlns:m="http://schemas.openxmlformats.org/officeDocument/2006/math">
+                    <m:r>
+                      <a:rPr lang="en-US" b="0" i="1" smtClean="0">
+                        <a:latin typeface="Cambria Math" panose="02040503050406030204" pitchFamily="18" charset="0"/>
+                      </a:rPr>
+                      <m:t>𝑋</m:t>
+                    </m:r>
+                    <m:r>
+                      <a:rPr lang="en-US" b="0" i="1" smtClean="0">
+                        <a:latin typeface="Cambria Math" panose="02040503050406030204" pitchFamily="18" charset="0"/>
+                      </a:rPr>
+                      <m:t>+</m:t>
+                    </m:r>
+                    <m:r>
+                      <a:rPr lang="en-US" b="0" i="1" smtClean="0">
+                        <a:latin typeface="Cambria Math" panose="02040503050406030204" pitchFamily="18" charset="0"/>
+                      </a:rPr>
+                      <m:t>𝑌</m:t>
+                    </m:r>
+                    <m:r>
+                      <a:rPr lang="en-US" b="0" i="1" smtClean="0">
+                        <a:latin typeface="Cambria Math" panose="02040503050406030204" pitchFamily="18" charset="0"/>
+                      </a:rPr>
+                      <m:t>=</m:t>
+                    </m:r>
+                    <m:sSup>
+                      <m:sSupPr>
+                        <m:ctrlPr>
+                          <a:rPr lang="en-US" b="0" i="1" smtClean="0">
+                            <a:latin typeface="Cambria Math" panose="02040503050406030204" pitchFamily="18" charset="0"/>
+                          </a:rPr>
+                        </m:ctrlPr>
+                      </m:sSupPr>
+                      <m:e>
+                        <m:r>
+                          <a:rPr lang="en-US" b="0" i="1" smtClean="0">
+                            <a:latin typeface="Cambria Math" panose="02040503050406030204" pitchFamily="18" charset="0"/>
+                          </a:rPr>
+                          <m:t>10</m:t>
+                        </m:r>
+                      </m:e>
+                      <m:sup>
+                        <m:r>
+                          <a:rPr lang="en-US" b="0" i="1" smtClean="0">
+                            <a:latin typeface="Cambria Math" panose="02040503050406030204" pitchFamily="18" charset="0"/>
+                          </a:rPr>
+                          <m:t>𝑛</m:t>
+                        </m:r>
+                      </m:sup>
+                    </m:sSup>
+                  </m:oMath>
+                </a14:m>
+                <a:r>
+                  <a:rPr lang="en-US" dirty="0"/>
+                  <a:t>  (1 0…0 )</a:t>
+                </a:r>
+              </a:p>
+            </p:txBody>
+          </p:sp>
+        </mc:Choice>
+        <mc:Fallback>
+          <p:sp>
+            <p:nvSpPr>
+              <p:cNvPr id="2" name="TextBox 1">
+                <a:extLst>
+                  <a:ext uri="{FF2B5EF4-FFF2-40B4-BE49-F238E27FC236}">
+                    <a16:creationId xmlns:a16="http://schemas.microsoft.com/office/drawing/2014/main" id="{18BAF12D-F4F8-D740-A853-C212C7E21605}"/>
+                  </a:ext>
+                </a:extLst>
+              </p:cNvPr>
+              <p:cNvSpPr txBox="1">
+                <a:spLocks noRot="1" noChangeAspect="1" noMove="1" noResize="1" noEditPoints="1" noAdjustHandles="1" noChangeArrowheads="1" noChangeShapeType="1" noTextEdit="1"/>
+              </p:cNvSpPr>
+              <p:nvPr/>
+            </p:nvSpPr>
+            <p:spPr>
+              <a:xfrm>
+                <a:off x="6641198" y="1884730"/>
+                <a:ext cx="1953548" cy="307777"/>
+              </a:xfrm>
+              <a:prstGeom prst="rect">
+                <a:avLst/>
+              </a:prstGeom>
+              <a:blipFill>
+                <a:blip r:embed="rId3"/>
+                <a:stretch>
+                  <a:fillRect t="-4000" b="-20000"/>
+                </a:stretch>
+              </a:blipFill>
+            </p:spPr>
+            <p:txBody>
+              <a:bodyPr/>
+              <a:lstStyle/>
+              <a:p>
+                <a:r>
+                  <a:rPr lang="en-US">
+                    <a:noFill/>
+                  </a:rPr>
+                  <a:t> </a:t>
+                </a:r>
+              </a:p>
+            </p:txBody>
+          </p:sp>
+        </mc:Fallback>
+      </mc:AlternateContent>
+      <p:sp>
+        <p:nvSpPr>
+          <p:cNvPr id="12" name="Google Shape;424;p20">
+            <a:extLst>
+              <a:ext uri="{FF2B5EF4-FFF2-40B4-BE49-F238E27FC236}">
+                <a16:creationId xmlns:a16="http://schemas.microsoft.com/office/drawing/2014/main" id="{9179BE55-F110-BB4A-90D9-3DF21FCED1FF}"/>
+              </a:ext>
+            </a:extLst>
+          </p:cNvPr>
+          <p:cNvSpPr txBox="1"/>
+          <p:nvPr/>
+        </p:nvSpPr>
+        <p:spPr>
+          <a:xfrm>
+            <a:off x="7119412" y="4210706"/>
+            <a:ext cx="726000" cy="830966"/>
+          </a:xfrm>
+          <a:prstGeom prst="rect">
+            <a:avLst/>
+          </a:prstGeom>
+          <a:noFill/>
+          <a:ln>
+            <a:noFill/>
+          </a:ln>
+        </p:spPr>
+        <p:txBody>
+          <a:bodyPr spcFirstLastPara="1" wrap="square" lIns="91425" tIns="91425" rIns="91425" bIns="91425" anchor="t" anchorCtr="0">
+            <a:spAutoFit/>
+          </a:bodyPr>
+          <a:lstStyle/>
+          <a:p>
+            <a:pPr marL="0" lvl="0" indent="0" algn="r" rtl="0">
+              <a:spcBef>
+                <a:spcPts val="0"/>
+              </a:spcBef>
+              <a:spcAft>
+                <a:spcPts val="0"/>
+              </a:spcAft>
+              <a:buNone/>
+            </a:pPr>
+            <a:r>
+              <a:rPr lang="en" dirty="0"/>
+              <a:t>    33 </a:t>
+            </a:r>
+            <a:endParaRPr dirty="0"/>
+          </a:p>
+          <a:p>
+            <a:pPr marL="0" lvl="0" indent="0" algn="r" rtl="0">
+              <a:spcBef>
+                <a:spcPts val="0"/>
+              </a:spcBef>
+              <a:spcAft>
+                <a:spcPts val="0"/>
+              </a:spcAft>
+              <a:buNone/>
+            </a:pPr>
+            <a:r>
+              <a:rPr lang="en" u="sng" dirty="0"/>
+              <a:t> +   1</a:t>
+            </a:r>
+            <a:endParaRPr u="sng" dirty="0"/>
+          </a:p>
+          <a:p>
+            <a:pPr marL="0" lvl="0" indent="0" algn="r" rtl="0">
+              <a:spcBef>
+                <a:spcPts val="0"/>
+              </a:spcBef>
+              <a:spcAft>
+                <a:spcPts val="0"/>
+              </a:spcAft>
+              <a:buNone/>
+            </a:pPr>
+            <a:r>
+              <a:rPr lang="en" dirty="0"/>
+              <a:t>34</a:t>
+            </a:r>
+            <a:endParaRPr dirty="0"/>
           </a:p>
         </p:txBody>
       </p:sp>
@@ -17447,10 +17711,42 @@
               <a:buChar char="●"/>
             </a:pPr>
             <a:r>
-              <a:rPr lang="en"/>
-              <a:t>Example:   873 - 218 ⇒ 0873 - 0218</a:t>
+              <a:rPr lang="en" dirty="0"/>
+              <a:t>Example:   873 - 218 ⇒ 0873 – 0218</a:t>
             </a:r>
-            <a:endParaRPr/>
+          </a:p>
+          <a:p>
+            <a:pPr lvl="1" indent="-342900">
+              <a:buSzPts val="1800"/>
+              <a:buChar char="●"/>
+            </a:pPr>
+            <a:r>
+              <a:rPr lang="en" dirty="0"/>
+              <a:t>4-digit register:</a:t>
+            </a:r>
+          </a:p>
+          <a:p>
+            <a:pPr lvl="1" indent="-342900">
+              <a:buSzPts val="1800"/>
+              <a:buChar char="●"/>
+            </a:pPr>
+            <a:r>
+              <a:rPr lang="en" dirty="0"/>
+              <a:t>10^5 = 10,000</a:t>
+            </a:r>
+          </a:p>
+          <a:p>
+            <a:pPr marL="114300" lvl="0" indent="0" algn="l" rtl="0">
+              <a:spcBef>
+                <a:spcPts val="0"/>
+              </a:spcBef>
+              <a:spcAft>
+                <a:spcPts val="0"/>
+              </a:spcAft>
+              <a:buSzPts val="1800"/>
+              <a:buNone/>
+            </a:pPr>
+            <a:endParaRPr dirty="0"/>
           </a:p>
           <a:p>
             <a:pPr marL="457200" lvl="0" indent="-342900" algn="l" rtl="0">
@@ -17464,10 +17760,19 @@
               <a:buAutoNum type="arabicPeriod"/>
             </a:pPr>
             <a:r>
-              <a:rPr lang="en"/>
+              <a:rPr lang="en" dirty="0"/>
               <a:t>Take the nines complement of the subtrahend (0218)</a:t>
             </a:r>
-            <a:endParaRPr/>
+          </a:p>
+          <a:p>
+            <a:pPr lvl="1" indent="-342900">
+              <a:buSzPts val="1800"/>
+            </a:pPr>
+            <a:r>
+              <a:rPr lang="en-US" dirty="0"/>
+              <a:t>With respect to 1 0000</a:t>
+            </a:r>
+            <a:endParaRPr dirty="0"/>
           </a:p>
           <a:p>
             <a:pPr marL="457200" lvl="0" indent="-342900" algn="l" rtl="0">
@@ -17481,10 +17786,10 @@
               <a:buAutoNum type="arabicPeriod"/>
             </a:pPr>
             <a:r>
-              <a:rPr lang="en"/>
+              <a:rPr lang="en" dirty="0"/>
               <a:t>Add the complement to the minuend (0873)</a:t>
             </a:r>
-            <a:endParaRPr/>
+            <a:endParaRPr dirty="0"/>
           </a:p>
           <a:p>
             <a:pPr marL="457200" lvl="0" indent="-342900" algn="l" rtl="0">
@@ -17498,10 +17803,10 @@
               <a:buAutoNum type="arabicPeriod"/>
             </a:pPr>
             <a:r>
-              <a:rPr lang="en"/>
-              <a:t>Drop the leading "1"</a:t>
+              <a:rPr lang="en" dirty="0"/>
+              <a:t>Drop the leading "1” (the Carry)</a:t>
             </a:r>
-            <a:endParaRPr/>
+            <a:endParaRPr dirty="0"/>
           </a:p>
           <a:p>
             <a:pPr marL="457200" lvl="0" indent="-342900" algn="l" rtl="0">
@@ -17515,13 +17820,13 @@
               <a:buAutoNum type="arabicPeriod"/>
             </a:pPr>
             <a:r>
-              <a:rPr lang="en"/>
+              <a:rPr lang="en" dirty="0"/>
               <a:t>Add 1</a:t>
             </a:r>
             <a:br>
-              <a:rPr lang="en"/>
+              <a:rPr lang="en" dirty="0"/>
             </a:br>
-            <a:endParaRPr/>
+            <a:endParaRPr dirty="0"/>
           </a:p>
           <a:p>
             <a:pPr marL="457200" lvl="0" indent="0" algn="l" rtl="0">
@@ -17533,7 +17838,7 @@
               </a:spcAft>
               <a:buNone/>
             </a:pPr>
-            <a:endParaRPr/>
+            <a:endParaRPr dirty="0"/>
           </a:p>
         </p:txBody>
       </p:sp>
@@ -19097,14 +19402,14 @@
         <p:nvCxnSpPr>
           <p:cNvPr id="473" name="Google Shape;473;p21"/>
           <p:cNvCxnSpPr>
-            <a:endCxn id="442" idx="1"/>
+            <a:cxnSpLocks/>
           </p:cNvCxnSpPr>
           <p:nvPr/>
         </p:nvCxnSpPr>
         <p:spPr>
-          <a:xfrm>
-            <a:off x="6366175" y="1711550"/>
-            <a:ext cx="856200" cy="374700"/>
+          <a:xfrm flipV="1">
+            <a:off x="6326175" y="2249450"/>
+            <a:ext cx="916700" cy="271166"/>
           </a:xfrm>
           <a:prstGeom prst="curvedConnector3">
             <a:avLst>
@@ -19226,10 +19531,35 @@
               <a:buChar char="●"/>
             </a:pPr>
             <a:r>
-              <a:rPr lang="en"/>
-              <a:t>Example:   873 - 218 ⇒ 0873 - 0218</a:t>
+              <a:rPr lang="en" dirty="0"/>
+              <a:t>Example:   873 - 218 ⇒ 0873 – 0218</a:t>
             </a:r>
-            <a:endParaRPr/>
+          </a:p>
+          <a:p>
+            <a:pPr marL="457200" lvl="0" indent="-342900" algn="l" rtl="0">
+              <a:spcBef>
+                <a:spcPts val="0"/>
+              </a:spcBef>
+              <a:spcAft>
+                <a:spcPts val="0"/>
+              </a:spcAft>
+              <a:buSzPts val="1800"/>
+              <a:buChar char="●"/>
+            </a:pPr>
+            <a:endParaRPr lang="en-US" dirty="0"/>
+          </a:p>
+          <a:p>
+            <a:pPr marL="457200" lvl="0" indent="-342900" algn="l" rtl="0">
+              <a:spcBef>
+                <a:spcPts val="0"/>
+              </a:spcBef>
+              <a:spcAft>
+                <a:spcPts val="0"/>
+              </a:spcAft>
+              <a:buSzPts val="1800"/>
+              <a:buChar char="●"/>
+            </a:pPr>
+            <a:endParaRPr dirty="0"/>
           </a:p>
           <a:p>
             <a:pPr marL="457200" lvl="0" indent="-342900" algn="l" rtl="0">
@@ -19243,10 +19573,10 @@
               <a:buAutoNum type="arabicPeriod"/>
             </a:pPr>
             <a:r>
-              <a:rPr lang="en"/>
+              <a:rPr lang="en" dirty="0"/>
               <a:t>Take the nines complement of the subtrahend (0218)</a:t>
             </a:r>
-            <a:endParaRPr/>
+            <a:endParaRPr dirty="0"/>
           </a:p>
           <a:p>
             <a:pPr marL="457200" lvl="0" indent="-342900" algn="l" rtl="0">
@@ -19260,10 +19590,10 @@
               <a:buAutoNum type="arabicPeriod"/>
             </a:pPr>
             <a:r>
-              <a:rPr lang="en"/>
+              <a:rPr lang="en" dirty="0"/>
               <a:t>Add the complement to the minuend (0873)</a:t>
             </a:r>
-            <a:endParaRPr/>
+            <a:endParaRPr dirty="0"/>
           </a:p>
           <a:p>
             <a:pPr marL="457200" lvl="0" indent="-342900" algn="l" rtl="0">
@@ -19277,10 +19607,10 @@
               <a:buAutoNum type="arabicPeriod"/>
             </a:pPr>
             <a:r>
-              <a:rPr lang="en"/>
+              <a:rPr lang="en" dirty="0"/>
               <a:t>Drop the leading "1"</a:t>
             </a:r>
-            <a:endParaRPr/>
+            <a:endParaRPr dirty="0"/>
           </a:p>
           <a:p>
             <a:pPr marL="457200" lvl="0" indent="-342900" algn="l" rtl="0">
@@ -19294,13 +19624,13 @@
               <a:buAutoNum type="arabicPeriod"/>
             </a:pPr>
             <a:r>
-              <a:rPr lang="en"/>
+              <a:rPr lang="en" dirty="0"/>
               <a:t>Add 1</a:t>
             </a:r>
             <a:br>
-              <a:rPr lang="en"/>
+              <a:rPr lang="en" dirty="0"/>
             </a:br>
-            <a:endParaRPr/>
+            <a:endParaRPr dirty="0"/>
           </a:p>
           <a:p>
             <a:pPr marL="457200" lvl="0" indent="-342900" algn="l" rtl="0">
@@ -19314,17 +19644,17 @@
               <a:buChar char="●"/>
             </a:pPr>
             <a:r>
-              <a:rPr lang="en"/>
+              <a:rPr lang="en" dirty="0"/>
               <a:t>Optimization:</a:t>
             </a:r>
             <a:br>
-              <a:rPr lang="en"/>
+              <a:rPr lang="en" dirty="0"/>
             </a:br>
             <a:r>
-              <a:rPr lang="en"/>
+              <a:rPr lang="en" dirty="0"/>
               <a:t>    introduce initial carry in</a:t>
             </a:r>
-            <a:endParaRPr/>
+            <a:endParaRPr dirty="0"/>
           </a:p>
         </p:txBody>
       </p:sp>
@@ -21870,19 +22200,18 @@
         <p:nvCxnSpPr>
           <p:cNvPr id="542" name="Google Shape;542;p22"/>
           <p:cNvCxnSpPr>
-            <a:endCxn id="511" idx="1"/>
+            <a:cxnSpLocks/>
+            <a:endCxn id="511" idx="2"/>
           </p:cNvCxnSpPr>
           <p:nvPr/>
         </p:nvCxnSpPr>
         <p:spPr>
-          <a:xfrm>
-            <a:off x="6374575" y="1728650"/>
-            <a:ext cx="847800" cy="357600"/>
+          <a:xfrm flipV="1">
+            <a:off x="6326175" y="2249450"/>
+            <a:ext cx="1051000" cy="126787"/>
           </a:xfrm>
-          <a:prstGeom prst="curvedConnector3">
-            <a:avLst>
-              <a:gd name="adj1" fmla="val 50000"/>
-            </a:avLst>
+          <a:prstGeom prst="curvedConnector2">
+            <a:avLst/>
           </a:prstGeom>
           <a:noFill/>
           <a:ln w="9525" cap="flat" cmpd="sng">
@@ -21999,10 +22328,35 @@
               <a:buChar char="●"/>
             </a:pPr>
             <a:r>
-              <a:rPr lang="en"/>
-              <a:t>Example:   13 - 9 ⇒ 0013 - 0009</a:t>
+              <a:rPr lang="en" dirty="0"/>
+              <a:t>Example:   13 - 9 ⇒ 0013 – 0009</a:t>
             </a:r>
-            <a:endParaRPr/>
+          </a:p>
+          <a:p>
+            <a:pPr marL="457200" lvl="0" indent="-342900" algn="l" rtl="0">
+              <a:spcBef>
+                <a:spcPts val="0"/>
+              </a:spcBef>
+              <a:spcAft>
+                <a:spcPts val="0"/>
+              </a:spcAft>
+              <a:buSzPts val="1800"/>
+              <a:buChar char="●"/>
+            </a:pPr>
+            <a:endParaRPr lang="en" dirty="0"/>
+          </a:p>
+          <a:p>
+            <a:pPr marL="457200" lvl="0" indent="-342900" algn="l" rtl="0">
+              <a:spcBef>
+                <a:spcPts val="0"/>
+              </a:spcBef>
+              <a:spcAft>
+                <a:spcPts val="0"/>
+              </a:spcAft>
+              <a:buSzPts val="1800"/>
+              <a:buChar char="●"/>
+            </a:pPr>
+            <a:endParaRPr dirty="0"/>
           </a:p>
           <a:p>
             <a:pPr marL="457200" lvl="0" indent="-342900" algn="l" rtl="0">
@@ -22016,10 +22370,10 @@
               <a:buAutoNum type="arabicPeriod"/>
             </a:pPr>
             <a:r>
-              <a:rPr lang="en"/>
+              <a:rPr lang="en" dirty="0"/>
               <a:t>Take the 10s complement of the subtrahend (0009)</a:t>
             </a:r>
-            <a:endParaRPr/>
+            <a:endParaRPr dirty="0"/>
           </a:p>
           <a:p>
             <a:pPr marL="457200" lvl="0" indent="-342900" algn="l" rtl="0">
@@ -22033,10 +22387,10 @@
               <a:buAutoNum type="arabicPeriod"/>
             </a:pPr>
             <a:r>
-              <a:rPr lang="en"/>
+              <a:rPr lang="en" dirty="0"/>
               <a:t>Add the complement to the minuend</a:t>
             </a:r>
-            <a:endParaRPr/>
+            <a:endParaRPr dirty="0"/>
           </a:p>
           <a:p>
             <a:pPr marL="457200" lvl="0" indent="-342900" algn="l" rtl="0">
@@ -22050,13 +22404,13 @@
               <a:buAutoNum type="arabicPeriod"/>
             </a:pPr>
             <a:r>
-              <a:rPr lang="en"/>
+              <a:rPr lang="en" dirty="0"/>
               <a:t>Drop the leading "1".</a:t>
             </a:r>
             <a:br>
-              <a:rPr lang="en"/>
+              <a:rPr lang="en" dirty="0"/>
             </a:br>
-            <a:endParaRPr/>
+            <a:endParaRPr dirty="0"/>
           </a:p>
           <a:p>
             <a:pPr marL="457200" lvl="0" indent="-342900" algn="l" rtl="0">
@@ -22070,14 +22424,14 @@
               <a:buChar char="●"/>
             </a:pPr>
             <a:r>
-              <a:rPr lang="en" strike="sngStrike"/>
+              <a:rPr lang="en" strike="sngStrike" dirty="0"/>
               <a:t>Optimization</a:t>
             </a:r>
             <a:r>
-              <a:rPr lang="en"/>
+              <a:rPr lang="en" dirty="0"/>
               <a:t>: Addition of adding one is baked in!</a:t>
             </a:r>
-            <a:endParaRPr/>
+            <a:endParaRPr dirty="0"/>
           </a:p>
         </p:txBody>
       </p:sp>
@@ -23136,19 +23490,18 @@
         <p:nvCxnSpPr>
           <p:cNvPr id="574" name="Google Shape;574;p23"/>
           <p:cNvCxnSpPr>
-            <a:endCxn id="556" idx="1"/>
+            <a:cxnSpLocks/>
+            <a:endCxn id="556" idx="2"/>
           </p:cNvCxnSpPr>
           <p:nvPr/>
         </p:nvCxnSpPr>
         <p:spPr>
-          <a:xfrm>
-            <a:off x="6104875" y="1686350"/>
-            <a:ext cx="1117500" cy="399900"/>
+          <a:xfrm flipV="1">
+            <a:off x="6112042" y="2249450"/>
+            <a:ext cx="1265133" cy="96708"/>
           </a:xfrm>
-          <a:prstGeom prst="curvedConnector3">
-            <a:avLst>
-              <a:gd name="adj1" fmla="val 50000"/>
-            </a:avLst>
+          <a:prstGeom prst="curvedConnector2">
+            <a:avLst/>
           </a:prstGeom>
           <a:noFill/>
           <a:ln w="9525" cap="flat" cmpd="sng">

--- a/format-encodings/documents/ARCHIVE/base10-mathematical-review.pptx
+++ b/format-encodings/documents/ARCHIVE/base10-mathematical-review.pptx
@@ -744,7 +744,7 @@
         </p:nvSpPr>
         <p:spPr>
           <a:xfrm>
-            <a:off x="381300" y="685800"/>
+            <a:off x="381000" y="685800"/>
             <a:ext cx="6096000" cy="3429000"/>
           </a:xfrm>
           <a:custGeom>
@@ -6666,7 +6666,7 @@
             </a:pPr>
             <a:r>
               <a:rPr lang="en" dirty="0"/>
-              <a:t>the calculation resulted in an overflow ()</a:t>
+              <a:t>the calculation resulted in an overflow (V)</a:t>
             </a:r>
             <a:endParaRPr dirty="0"/>
           </a:p>
@@ -16922,20 +16922,8 @@
               <a:buChar char="■"/>
             </a:pPr>
             <a:r>
-              <a:rPr lang="en"/>
-              <a:t>  7 </a:t>
-            </a:r>
-            <a:r>
               <a:rPr lang="en" dirty="0"/>
-              <a:t>+ a </a:t>
-            </a:r>
-            <a:r>
-              <a:rPr lang="en"/>
-              <a:t>=   9</a:t>
-            </a:r>
-            <a:r>
-              <a:rPr lang="en" dirty="0"/>
-              <a:t>		: a is the 9s complements of 7		a = 2</a:t>
+              <a:t>  7 + a =   9		: a is the 9s complements of 7		a = 2</a:t>
             </a:r>
             <a:endParaRPr dirty="0"/>
           </a:p>
@@ -17392,8 +17380,8 @@
           </a:p>
         </p:txBody>
       </p:sp>
-      <mc:AlternateContent xmlns:mc="http://schemas.openxmlformats.org/markup-compatibility/2006">
-        <mc:Choice xmlns:a14="http://schemas.microsoft.com/office/drawing/2010/main" Requires="a14">
+      <mc:AlternateContent xmlns:mc="http://schemas.openxmlformats.org/markup-compatibility/2006" xmlns:a14="http://schemas.microsoft.com/office/drawing/2010/main">
+        <mc:Choice Requires="a14">
           <p:sp>
             <p:nvSpPr>
               <p:cNvPr id="2" name="TextBox 1">
@@ -17483,7 +17471,7 @@
             </p:txBody>
           </p:sp>
         </mc:Choice>
-        <mc:Fallback>
+        <mc:Fallback xmlns="">
           <p:sp>
             <p:nvSpPr>
               <p:cNvPr id="2" name="TextBox 1">
